--- a/powerpoints/Amstelhaege PP 4.pptx
+++ b/powerpoints/Amstelhaege PP 4.pptx
@@ -5,7 +5,7 @@
     <p:sldMasterId id="2147483686" r:id="rId1"/>
   </p:sldMasterIdLst>
   <p:notesMasterIdLst>
-    <p:notesMasterId r:id="rId15"/>
+    <p:notesMasterId r:id="rId14"/>
   </p:notesMasterIdLst>
   <p:sldIdLst>
     <p:sldId id="256" r:id="rId2"/>
@@ -15,12 +15,11 @@
     <p:sldId id="280" r:id="rId6"/>
     <p:sldId id="281" r:id="rId7"/>
     <p:sldId id="277" r:id="rId8"/>
-    <p:sldId id="278" r:id="rId9"/>
-    <p:sldId id="279" r:id="rId10"/>
-    <p:sldId id="282" r:id="rId11"/>
-    <p:sldId id="274" r:id="rId12"/>
-    <p:sldId id="266" r:id="rId13"/>
-    <p:sldId id="267" r:id="rId14"/>
+    <p:sldId id="279" r:id="rId9"/>
+    <p:sldId id="282" r:id="rId10"/>
+    <p:sldId id="274" r:id="rId11"/>
+    <p:sldId id="266" r:id="rId12"/>
+    <p:sldId id="267" r:id="rId13"/>
   </p:sldIdLst>
   <p:sldSz cx="12192000" cy="6858000"/>
   <p:notesSz cx="6858000" cy="9144000"/>
@@ -530,8 +529,63 @@
           <a:p>
             <a:r>
               <a:rPr lang="nl-NL" dirty="0"/>
-              <a:t>Kerstmuziek!!!!!!!!!!!!!!!!!!!!!!!!</a:t>
-            </a:r>
+              <a:t>Plaatje </a:t>
+            </a:r>
+            <a:r>
+              <a:rPr lang="nl-NL" dirty="0" err="1"/>
+              <a:t>vrijstand</a:t>
+            </a:r>
+            <a:r>
+              <a:rPr lang="nl-NL" dirty="0"/>
+              <a:t> uitleggen</a:t>
+            </a:r>
+          </a:p>
+          <a:p>
+            <a:r>
+              <a:rPr lang="nl-NL" dirty="0"/>
+              <a:t>Kaartje huizen in de inleiding</a:t>
+            </a:r>
+          </a:p>
+          <a:p>
+            <a:r>
+              <a:rPr lang="nl-NL" dirty="0"/>
+              <a:t>Formule voor het uitrekenen van de state </a:t>
+            </a:r>
+            <a:r>
+              <a:rPr lang="nl-NL" dirty="0" err="1"/>
+              <a:t>space</a:t>
+            </a:r>
+            <a:r>
+              <a:rPr lang="nl-NL" dirty="0"/>
+              <a:t> </a:t>
+            </a:r>
+          </a:p>
+          <a:p>
+            <a:r>
+              <a:rPr lang="nl-NL" dirty="0"/>
+              <a:t>Wetenschappelijk artikel volgorde</a:t>
+            </a:r>
+          </a:p>
+          <a:p>
+            <a:r>
+              <a:rPr lang="nl-NL" dirty="0"/>
+              <a:t>Experimentjes </a:t>
+            </a:r>
+            <a:r>
+              <a:rPr lang="nl-NL" dirty="0" err="1"/>
+              <a:t>hilclimber</a:t>
+            </a:r>
+            <a:r>
+              <a:rPr lang="nl-NL" dirty="0"/>
+              <a:t> laten zien</a:t>
+            </a:r>
+          </a:p>
+          <a:p>
+            <a:r>
+              <a:rPr lang="nl-NL" dirty="0"/>
+              <a:t>Proberen uit vakjargon te blijven en het te generaliseren</a:t>
+            </a:r>
+            <a:endParaRPr lang="en-US" dirty="0"/>
           </a:p>
         </p:txBody>
       </p:sp>
@@ -542,7 +596,7 @@
             <a:spLocks noGrp="1"/>
           </p:cNvSpPr>
           <p:nvPr>
-            <p:ph type="sldNum" sz="quarter" idx="5"/>
+            <p:ph type="sldNum" sz="quarter" idx="10"/>
           </p:nvPr>
         </p:nvSpPr>
         <p:spPr/>
@@ -552,7 +606,94 @@
           <a:p>
             <a:fld id="{6DA5F5ED-64BB-4C5C-A82B-3BA43ACDDE50}" type="slidenum">
               <a:rPr lang="nl-NL" smtClean="0"/>
-              <a:t>13</a:t>
+              <a:t>1</a:t>
+            </a:fld>
+            <a:endParaRPr lang="nl-NL"/>
+          </a:p>
+        </p:txBody>
+      </p:sp>
+    </p:spTree>
+    <p:extLst>
+      <p:ext uri="{BB962C8B-B14F-4D97-AF65-F5344CB8AC3E}">
+        <p14:creationId xmlns:p14="http://schemas.microsoft.com/office/powerpoint/2010/main" val="3502717600"/>
+      </p:ext>
+    </p:extLst>
+  </p:cSld>
+  <p:clrMapOvr>
+    <a:masterClrMapping/>
+  </p:clrMapOvr>
+</p:notes>
+</file>
+
+<file path=ppt/notesSlides/notesSlide2.xml><?xml version="1.0" encoding="utf-8"?>
+<p:notes xmlns:a="http://schemas.openxmlformats.org/drawingml/2006/main" xmlns:r="http://schemas.openxmlformats.org/officeDocument/2006/relationships" xmlns:p="http://schemas.openxmlformats.org/presentationml/2006/main">
+  <p:cSld>
+    <p:spTree>
+      <p:nvGrpSpPr>
+        <p:cNvPr id="1" name=""/>
+        <p:cNvGrpSpPr/>
+        <p:nvPr/>
+      </p:nvGrpSpPr>
+      <p:grpSpPr>
+        <a:xfrm>
+          <a:off x="0" y="0"/>
+          <a:ext cx="0" cy="0"/>
+          <a:chOff x="0" y="0"/>
+          <a:chExt cx="0" cy="0"/>
+        </a:xfrm>
+      </p:grpSpPr>
+      <p:sp>
+        <p:nvSpPr>
+          <p:cNvPr id="2" name="Tijdelijke aanduiding voor dia-afbeelding 1"/>
+          <p:cNvSpPr>
+            <a:spLocks noGrp="1" noRot="1" noChangeAspect="1"/>
+          </p:cNvSpPr>
+          <p:nvPr>
+            <p:ph type="sldImg"/>
+          </p:nvPr>
+        </p:nvSpPr>
+        <p:spPr/>
+      </p:sp>
+      <p:sp>
+        <p:nvSpPr>
+          <p:cNvPr id="3" name="Tijdelijke aanduiding voor notities 2"/>
+          <p:cNvSpPr>
+            <a:spLocks noGrp="1"/>
+          </p:cNvSpPr>
+          <p:nvPr>
+            <p:ph type="body" idx="1"/>
+          </p:nvPr>
+        </p:nvSpPr>
+        <p:spPr/>
+        <p:txBody>
+          <a:bodyPr/>
+          <a:lstStyle/>
+          <a:p>
+            <a:r>
+              <a:rPr lang="nl-NL" dirty="0"/>
+              <a:t>Kerstmuziek!!!!!!!!!!!!!!!!!!!!!!!!</a:t>
+            </a:r>
+          </a:p>
+        </p:txBody>
+      </p:sp>
+      <p:sp>
+        <p:nvSpPr>
+          <p:cNvPr id="4" name="Tijdelijke aanduiding voor dianummer 3"/>
+          <p:cNvSpPr>
+            <a:spLocks noGrp="1"/>
+          </p:cNvSpPr>
+          <p:nvPr>
+            <p:ph type="sldNum" sz="quarter" idx="5"/>
+          </p:nvPr>
+        </p:nvSpPr>
+        <p:spPr/>
+        <p:txBody>
+          <a:bodyPr/>
+          <a:lstStyle/>
+          <a:p>
+            <a:fld id="{6DA5F5ED-64BB-4C5C-A82B-3BA43ACDDE50}" type="slidenum">
+              <a:rPr lang="nl-NL" smtClean="0"/>
+              <a:t>12</a:t>
             </a:fld>
             <a:endParaRPr lang="nl-NL"/>
           </a:p>
@@ -6460,10 +6601,10 @@
       </p:grpSpPr>
       <p:sp>
         <p:nvSpPr>
-          <p:cNvPr id="2" name="Tijdelijke aanduiding voor dianummer 1">
+          <p:cNvPr id="2" name="Titel 1">
             <a:extLst>
               <a:ext uri="{FF2B5EF4-FFF2-40B4-BE49-F238E27FC236}">
-                <a16:creationId xmlns:a16="http://schemas.microsoft.com/office/drawing/2014/main" id="{37671CF9-F117-4B3E-A4A2-36E039C4EFAA}"/>
+                <a16:creationId xmlns:a16="http://schemas.microsoft.com/office/drawing/2014/main" id="{EE923E43-3BDA-403D-9D51-EAB2F8DE15EB}"/>
               </a:ext>
             </a:extLst>
           </p:cNvPr>
@@ -6471,6 +6612,90 @@
             <a:spLocks noGrp="1"/>
           </p:cNvSpPr>
           <p:nvPr>
+            <p:ph type="title"/>
+          </p:nvPr>
+        </p:nvSpPr>
+        <p:spPr/>
+        <p:txBody>
+          <a:bodyPr/>
+          <a:lstStyle/>
+          <a:p>
+            <a:r>
+              <a:rPr lang="nl-NL" dirty="0"/>
+              <a:t>Doelen voor week 7</a:t>
+            </a:r>
+          </a:p>
+        </p:txBody>
+      </p:sp>
+      <p:sp>
+        <p:nvSpPr>
+          <p:cNvPr id="3" name="Tijdelijke aanduiding voor inhoud 2">
+            <a:extLst>
+              <a:ext uri="{FF2B5EF4-FFF2-40B4-BE49-F238E27FC236}">
+                <a16:creationId xmlns:a16="http://schemas.microsoft.com/office/drawing/2014/main" id="{082F8E5A-26F2-49DD-9A4C-3FD8820D0EDD}"/>
+              </a:ext>
+            </a:extLst>
+          </p:cNvPr>
+          <p:cNvSpPr>
+            <a:spLocks noGrp="1"/>
+          </p:cNvSpPr>
+          <p:nvPr>
+            <p:ph idx="1"/>
+          </p:nvPr>
+        </p:nvSpPr>
+        <p:spPr/>
+        <p:txBody>
+          <a:bodyPr/>
+          <a:lstStyle/>
+          <a:p>
+            <a:r>
+              <a:rPr lang="nl-NL" dirty="0"/>
+              <a:t>Depth first</a:t>
+            </a:r>
+          </a:p>
+          <a:p>
+            <a:r>
+              <a:rPr lang="nl-NL" dirty="0"/>
+              <a:t>Waterfunctie </a:t>
+            </a:r>
+          </a:p>
+          <a:p>
+            <a:r>
+              <a:rPr lang="nl-NL" dirty="0"/>
+              <a:t>Alle algoritmes voor alle huizenvarianten</a:t>
+            </a:r>
+          </a:p>
+          <a:p>
+            <a:r>
+              <a:rPr lang="nl-NL" dirty="0"/>
+              <a:t>Depth first meerdere oplossingen genereren</a:t>
+            </a:r>
+          </a:p>
+          <a:p>
+            <a:r>
+              <a:rPr lang="nl-NL" dirty="0" err="1"/>
+              <a:t>Lay</a:t>
+            </a:r>
+            <a:r>
+              <a:rPr lang="nl-NL" dirty="0"/>
+              <a:t> out &amp; opbouw code perfectioneren</a:t>
+            </a:r>
+          </a:p>
+        </p:txBody>
+      </p:sp>
+      <p:sp>
+        <p:nvSpPr>
+          <p:cNvPr id="4" name="Tijdelijke aanduiding voor dianummer 3">
+            <a:extLst>
+              <a:ext uri="{FF2B5EF4-FFF2-40B4-BE49-F238E27FC236}">
+                <a16:creationId xmlns:a16="http://schemas.microsoft.com/office/drawing/2014/main" id="{543638E1-4823-4D07-BAA4-C33C13F31A58}"/>
+              </a:ext>
+            </a:extLst>
+          </p:cNvPr>
+          <p:cNvSpPr>
+            <a:spLocks noGrp="1"/>
+          </p:cNvSpPr>
+          <p:nvPr>
             <p:ph type="sldNum" sz="quarter" idx="12"/>
           </p:nvPr>
         </p:nvSpPr>
@@ -6479,49 +6704,18 @@
           <a:bodyPr/>
           <a:lstStyle/>
           <a:p>
-            <a:fld id="{D57F1E4F-1CFF-5643-939E-217C01CDF565}" type="slidenum">
+            <a:fld id="{519954A3-9DFD-4C44-94BA-B95130A3BA1C}" type="slidenum">
               <a:rPr lang="en-US" smtClean="0"/>
-              <a:pPr/>
               <a:t>10</a:t>
             </a:fld>
             <a:endParaRPr lang="en-US" dirty="0"/>
           </a:p>
         </p:txBody>
       </p:sp>
-      <p:pic>
-        <p:nvPicPr>
-          <p:cNvPr id="3" name="Afbeelding 2">
-            <a:extLst>
-              <a:ext uri="{FF2B5EF4-FFF2-40B4-BE49-F238E27FC236}">
-                <a16:creationId xmlns:a16="http://schemas.microsoft.com/office/drawing/2014/main" id="{00D74704-1DEC-4F17-89F0-66FEEB484C1D}"/>
-              </a:ext>
-            </a:extLst>
-          </p:cNvPr>
-          <p:cNvPicPr>
-            <a:picLocks noChangeAspect="1"/>
-          </p:cNvPicPr>
-          <p:nvPr/>
-        </p:nvPicPr>
-        <p:blipFill>
-          <a:blip r:embed="rId2"/>
-          <a:stretch>
-            <a:fillRect/>
-          </a:stretch>
-        </p:blipFill>
-        <p:spPr>
-          <a:xfrm>
-            <a:off x="2763330" y="4429"/>
-            <a:ext cx="6758041" cy="6924906"/>
-          </a:xfrm>
-          <a:prstGeom prst="rect">
-            <a:avLst/>
-          </a:prstGeom>
-        </p:spPr>
-      </p:pic>
     </p:spTree>
     <p:extLst>
       <p:ext uri="{BB962C8B-B14F-4D97-AF65-F5344CB8AC3E}">
-        <p14:creationId xmlns:p14="http://schemas.microsoft.com/office/powerpoint/2010/main" val="2711161881"/>
+        <p14:creationId xmlns:p14="http://schemas.microsoft.com/office/powerpoint/2010/main" val="2087692485"/>
       </p:ext>
     </p:extLst>
   </p:cSld>
@@ -6553,143 +6747,6 @@
           <p:cNvPr id="2" name="Titel 1">
             <a:extLst>
               <a:ext uri="{FF2B5EF4-FFF2-40B4-BE49-F238E27FC236}">
-                <a16:creationId xmlns:a16="http://schemas.microsoft.com/office/drawing/2014/main" id="{EE923E43-3BDA-403D-9D51-EAB2F8DE15EB}"/>
-              </a:ext>
-            </a:extLst>
-          </p:cNvPr>
-          <p:cNvSpPr>
-            <a:spLocks noGrp="1"/>
-          </p:cNvSpPr>
-          <p:nvPr>
-            <p:ph type="title"/>
-          </p:nvPr>
-        </p:nvSpPr>
-        <p:spPr/>
-        <p:txBody>
-          <a:bodyPr/>
-          <a:lstStyle/>
-          <a:p>
-            <a:r>
-              <a:rPr lang="nl-NL" dirty="0"/>
-              <a:t>Doelen voor week 7</a:t>
-            </a:r>
-          </a:p>
-        </p:txBody>
-      </p:sp>
-      <p:sp>
-        <p:nvSpPr>
-          <p:cNvPr id="3" name="Tijdelijke aanduiding voor inhoud 2">
-            <a:extLst>
-              <a:ext uri="{FF2B5EF4-FFF2-40B4-BE49-F238E27FC236}">
-                <a16:creationId xmlns:a16="http://schemas.microsoft.com/office/drawing/2014/main" id="{082F8E5A-26F2-49DD-9A4C-3FD8820D0EDD}"/>
-              </a:ext>
-            </a:extLst>
-          </p:cNvPr>
-          <p:cNvSpPr>
-            <a:spLocks noGrp="1"/>
-          </p:cNvSpPr>
-          <p:nvPr>
-            <p:ph idx="1"/>
-          </p:nvPr>
-        </p:nvSpPr>
-        <p:spPr/>
-        <p:txBody>
-          <a:bodyPr/>
-          <a:lstStyle/>
-          <a:p>
-            <a:r>
-              <a:rPr lang="nl-NL" dirty="0"/>
-              <a:t>Waterfunctie </a:t>
-            </a:r>
-          </a:p>
-          <a:p>
-            <a:r>
-              <a:rPr lang="nl-NL" dirty="0"/>
-              <a:t>Alle algoritmes voor alle huizenvarianten</a:t>
-            </a:r>
-          </a:p>
-          <a:p>
-            <a:r>
-              <a:rPr lang="nl-NL" dirty="0"/>
-              <a:t>Depth first meerdere oplossingen genereren</a:t>
-            </a:r>
-          </a:p>
-          <a:p>
-            <a:r>
-              <a:rPr lang="nl-NL" dirty="0" err="1"/>
-              <a:t>Lay</a:t>
-            </a:r>
-            <a:r>
-              <a:rPr lang="nl-NL" dirty="0"/>
-              <a:t> out &amp; opbouw code perfectioneren</a:t>
-            </a:r>
-          </a:p>
-        </p:txBody>
-      </p:sp>
-      <p:sp>
-        <p:nvSpPr>
-          <p:cNvPr id="4" name="Tijdelijke aanduiding voor dianummer 3">
-            <a:extLst>
-              <a:ext uri="{FF2B5EF4-FFF2-40B4-BE49-F238E27FC236}">
-                <a16:creationId xmlns:a16="http://schemas.microsoft.com/office/drawing/2014/main" id="{543638E1-4823-4D07-BAA4-C33C13F31A58}"/>
-              </a:ext>
-            </a:extLst>
-          </p:cNvPr>
-          <p:cNvSpPr>
-            <a:spLocks noGrp="1"/>
-          </p:cNvSpPr>
-          <p:nvPr>
-            <p:ph type="sldNum" sz="quarter" idx="12"/>
-          </p:nvPr>
-        </p:nvSpPr>
-        <p:spPr/>
-        <p:txBody>
-          <a:bodyPr/>
-          <a:lstStyle/>
-          <a:p>
-            <a:fld id="{519954A3-9DFD-4C44-94BA-B95130A3BA1C}" type="slidenum">
-              <a:rPr lang="en-US" smtClean="0"/>
-              <a:t>11</a:t>
-            </a:fld>
-            <a:endParaRPr lang="en-US" dirty="0"/>
-          </a:p>
-        </p:txBody>
-      </p:sp>
-    </p:spTree>
-    <p:extLst>
-      <p:ext uri="{BB962C8B-B14F-4D97-AF65-F5344CB8AC3E}">
-        <p14:creationId xmlns:p14="http://schemas.microsoft.com/office/powerpoint/2010/main" val="2087692485"/>
-      </p:ext>
-    </p:extLst>
-  </p:cSld>
-  <p:clrMapOvr>
-    <a:masterClrMapping/>
-  </p:clrMapOvr>
-</p:sld>
-</file>
-
-<file path=ppt/slides/slide12.xml><?xml version="1.0" encoding="utf-8"?>
-<p:sld xmlns:a="http://schemas.openxmlformats.org/drawingml/2006/main" xmlns:r="http://schemas.openxmlformats.org/officeDocument/2006/relationships" xmlns:p="http://schemas.openxmlformats.org/presentationml/2006/main">
-  <p:cSld>
-    <p:spTree>
-      <p:nvGrpSpPr>
-        <p:cNvPr id="1" name=""/>
-        <p:cNvGrpSpPr/>
-        <p:nvPr/>
-      </p:nvGrpSpPr>
-      <p:grpSpPr>
-        <a:xfrm>
-          <a:off x="0" y="0"/>
-          <a:ext cx="0" cy="0"/>
-          <a:chOff x="0" y="0"/>
-          <a:chExt cx="0" cy="0"/>
-        </a:xfrm>
-      </p:grpSpPr>
-      <p:sp>
-        <p:nvSpPr>
-          <p:cNvPr id="2" name="Titel 1">
-            <a:extLst>
-              <a:ext uri="{FF2B5EF4-FFF2-40B4-BE49-F238E27FC236}">
                 <a16:creationId xmlns:a16="http://schemas.microsoft.com/office/drawing/2014/main" id="{3C13B0F9-1C71-4CE4-AABF-5618AC558334}"/>
               </a:ext>
             </a:extLst>
@@ -6786,7 +6843,7 @@
           <a:p>
             <a:fld id="{519954A3-9DFD-4C44-94BA-B95130A3BA1C}" type="slidenum">
               <a:rPr lang="en-US" smtClean="0"/>
-              <a:t>12</a:t>
+              <a:t>11</a:t>
             </a:fld>
             <a:endParaRPr lang="en-US" dirty="0"/>
           </a:p>
@@ -6805,7 +6862,7 @@
 </p:sld>
 </file>
 
-<file path=ppt/slides/slide13.xml><?xml version="1.0" encoding="utf-8"?>
+<file path=ppt/slides/slide12.xml><?xml version="1.0" encoding="utf-8"?>
 <p:sld xmlns:a="http://schemas.openxmlformats.org/drawingml/2006/main" xmlns:r="http://schemas.openxmlformats.org/officeDocument/2006/relationships" xmlns:p="http://schemas.openxmlformats.org/presentationml/2006/main">
   <p:cSld>
     <p:spTree>
@@ -7020,7 +7077,7 @@
           <a:p>
             <a:fld id="{519954A3-9DFD-4C44-94BA-B95130A3BA1C}" type="slidenum">
               <a:rPr lang="en-US" smtClean="0"/>
-              <a:t>13</a:t>
+              <a:t>12</a:t>
             </a:fld>
             <a:endParaRPr lang="en-US" dirty="0"/>
           </a:p>
@@ -8412,7 +8469,7 @@
 </file>
 
 <file path=ppt/slides/slide4.xml><?xml version="1.0" encoding="utf-8"?>
-<p:sld xmlns:a="http://schemas.openxmlformats.org/drawingml/2006/main" xmlns:r="http://schemas.openxmlformats.org/officeDocument/2006/relationships" xmlns:p="http://schemas.openxmlformats.org/presentationml/2006/main" show="0">
+<p:sld xmlns:a="http://schemas.openxmlformats.org/drawingml/2006/main" xmlns:r="http://schemas.openxmlformats.org/officeDocument/2006/relationships" xmlns:p="http://schemas.openxmlformats.org/presentationml/2006/main">
   <p:cSld>
     <p:spTree>
       <p:nvGrpSpPr>
@@ -9535,151 +9592,6 @@
           <p:cNvPr id="2" name="Titel 1">
             <a:extLst>
               <a:ext uri="{FF2B5EF4-FFF2-40B4-BE49-F238E27FC236}">
-                <a16:creationId xmlns:a16="http://schemas.microsoft.com/office/drawing/2014/main" id="{C31C62AE-0354-4E7F-93C7-7D80AEE23574}"/>
-              </a:ext>
-            </a:extLst>
-          </p:cNvPr>
-          <p:cNvSpPr>
-            <a:spLocks noGrp="1"/>
-          </p:cNvSpPr>
-          <p:nvPr>
-            <p:ph type="title"/>
-          </p:nvPr>
-        </p:nvSpPr>
-        <p:spPr/>
-        <p:txBody>
-          <a:bodyPr/>
-          <a:lstStyle/>
-          <a:p>
-            <a:r>
-              <a:rPr lang="nl-NL" dirty="0"/>
-              <a:t>Depth-first algoritme</a:t>
-            </a:r>
-          </a:p>
-        </p:txBody>
-      </p:sp>
-      <p:sp>
-        <p:nvSpPr>
-          <p:cNvPr id="3" name="Tijdelijke aanduiding voor inhoud 2">
-            <a:extLst>
-              <a:ext uri="{FF2B5EF4-FFF2-40B4-BE49-F238E27FC236}">
-                <a16:creationId xmlns:a16="http://schemas.microsoft.com/office/drawing/2014/main" id="{FDCEE80F-9EBE-49E9-B116-005E56A1435F}"/>
-              </a:ext>
-            </a:extLst>
-          </p:cNvPr>
-          <p:cNvSpPr>
-            <a:spLocks noGrp="1"/>
-          </p:cNvSpPr>
-          <p:nvPr>
-            <p:ph idx="1"/>
-          </p:nvPr>
-        </p:nvSpPr>
-        <p:spPr/>
-        <p:txBody>
-          <a:bodyPr/>
-          <a:lstStyle/>
-          <a:p>
-            <a:r>
-              <a:rPr lang="nl-NL" dirty="0"/>
-              <a:t>Plaatje van een visualisatie</a:t>
-            </a:r>
-          </a:p>
-          <a:p>
-            <a:r>
-              <a:rPr lang="nl-NL" dirty="0"/>
-              <a:t>Opbrengst</a:t>
-            </a:r>
-          </a:p>
-          <a:p>
-            <a:r>
-              <a:rPr lang="nl-NL" dirty="0"/>
-              <a:t>Alle coördinaten</a:t>
-            </a:r>
-          </a:p>
-          <a:p>
-            <a:pPr lvl="1"/>
-            <a:r>
-              <a:rPr lang="nl-NL" dirty="0"/>
-              <a:t>Bij begin beginnen</a:t>
-            </a:r>
-          </a:p>
-          <a:p>
-            <a:pPr lvl="1"/>
-            <a:r>
-              <a:rPr lang="nl-NL" dirty="0"/>
-              <a:t>Aan voorwaarden voldoen</a:t>
-            </a:r>
-          </a:p>
-          <a:p>
-            <a:pPr lvl="1"/>
-            <a:endParaRPr lang="nl-NL" dirty="0"/>
-          </a:p>
-        </p:txBody>
-      </p:sp>
-      <p:sp>
-        <p:nvSpPr>
-          <p:cNvPr id="4" name="Tijdelijke aanduiding voor dianummer 3">
-            <a:extLst>
-              <a:ext uri="{FF2B5EF4-FFF2-40B4-BE49-F238E27FC236}">
-                <a16:creationId xmlns:a16="http://schemas.microsoft.com/office/drawing/2014/main" id="{69037D07-32F2-4BD7-8F71-6AC08C2C8C0D}"/>
-              </a:ext>
-            </a:extLst>
-          </p:cNvPr>
-          <p:cNvSpPr>
-            <a:spLocks noGrp="1"/>
-          </p:cNvSpPr>
-          <p:nvPr>
-            <p:ph type="sldNum" sz="quarter" idx="12"/>
-          </p:nvPr>
-        </p:nvSpPr>
-        <p:spPr/>
-        <p:txBody>
-          <a:bodyPr/>
-          <a:lstStyle/>
-          <a:p>
-            <a:fld id="{519954A3-9DFD-4C44-94BA-B95130A3BA1C}" type="slidenum">
-              <a:rPr lang="en-US" smtClean="0"/>
-              <a:t>8</a:t>
-            </a:fld>
-            <a:endParaRPr lang="en-US" dirty="0"/>
-          </a:p>
-        </p:txBody>
-      </p:sp>
-    </p:spTree>
-    <p:extLst>
-      <p:ext uri="{BB962C8B-B14F-4D97-AF65-F5344CB8AC3E}">
-        <p14:creationId xmlns:p14="http://schemas.microsoft.com/office/powerpoint/2010/main" val="594560777"/>
-      </p:ext>
-    </p:extLst>
-  </p:cSld>
-  <p:clrMapOvr>
-    <a:masterClrMapping/>
-  </p:clrMapOvr>
-</p:sld>
-</file>
-
-<file path=ppt/slides/slide9.xml><?xml version="1.0" encoding="utf-8"?>
-<p:sld xmlns:a="http://schemas.openxmlformats.org/drawingml/2006/main" xmlns:r="http://schemas.openxmlformats.org/officeDocument/2006/relationships" xmlns:p="http://schemas.openxmlformats.org/presentationml/2006/main">
-  <p:cSld>
-    <p:spTree>
-      <p:nvGrpSpPr>
-        <p:cNvPr id="1" name=""/>
-        <p:cNvGrpSpPr/>
-        <p:nvPr/>
-      </p:nvGrpSpPr>
-      <p:grpSpPr>
-        <a:xfrm>
-          <a:off x="0" y="0"/>
-          <a:ext cx="0" cy="0"/>
-          <a:chOff x="0" y="0"/>
-          <a:chExt cx="0" cy="0"/>
-        </a:xfrm>
-      </p:grpSpPr>
-      <p:sp>
-        <p:nvSpPr>
-          <p:cNvPr id="2" name="Titel 1">
-            <a:extLst>
-              <a:ext uri="{FF2B5EF4-FFF2-40B4-BE49-F238E27FC236}">
                 <a16:creationId xmlns:a16="http://schemas.microsoft.com/office/drawing/2014/main" id="{D7A65340-50CF-4E24-93F4-630C1BD6F716}"/>
               </a:ext>
             </a:extLst>
@@ -9820,7 +9732,7 @@
           <a:p>
             <a:fld id="{519954A3-9DFD-4C44-94BA-B95130A3BA1C}" type="slidenum">
               <a:rPr lang="en-US" smtClean="0"/>
-              <a:t>9</a:t>
+              <a:t>8</a:t>
             </a:fld>
             <a:endParaRPr lang="en-US" dirty="0"/>
           </a:p>
@@ -9860,6 +9772,96 @@
     <p:extLst>
       <p:ext uri="{BB962C8B-B14F-4D97-AF65-F5344CB8AC3E}">
         <p14:creationId xmlns:p14="http://schemas.microsoft.com/office/powerpoint/2010/main" val="4027069812"/>
+      </p:ext>
+    </p:extLst>
+  </p:cSld>
+  <p:clrMapOvr>
+    <a:masterClrMapping/>
+  </p:clrMapOvr>
+</p:sld>
+</file>
+
+<file path=ppt/slides/slide9.xml><?xml version="1.0" encoding="utf-8"?>
+<p:sld xmlns:a="http://schemas.openxmlformats.org/drawingml/2006/main" xmlns:r="http://schemas.openxmlformats.org/officeDocument/2006/relationships" xmlns:p="http://schemas.openxmlformats.org/presentationml/2006/main">
+  <p:cSld>
+    <p:spTree>
+      <p:nvGrpSpPr>
+        <p:cNvPr id="1" name=""/>
+        <p:cNvGrpSpPr/>
+        <p:nvPr/>
+      </p:nvGrpSpPr>
+      <p:grpSpPr>
+        <a:xfrm>
+          <a:off x="0" y="0"/>
+          <a:ext cx="0" cy="0"/>
+          <a:chOff x="0" y="0"/>
+          <a:chExt cx="0" cy="0"/>
+        </a:xfrm>
+      </p:grpSpPr>
+      <p:sp>
+        <p:nvSpPr>
+          <p:cNvPr id="2" name="Tijdelijke aanduiding voor dianummer 1">
+            <a:extLst>
+              <a:ext uri="{FF2B5EF4-FFF2-40B4-BE49-F238E27FC236}">
+                <a16:creationId xmlns:a16="http://schemas.microsoft.com/office/drawing/2014/main" id="{37671CF9-F117-4B3E-A4A2-36E039C4EFAA}"/>
+              </a:ext>
+            </a:extLst>
+          </p:cNvPr>
+          <p:cNvSpPr>
+            <a:spLocks noGrp="1"/>
+          </p:cNvSpPr>
+          <p:nvPr>
+            <p:ph type="sldNum" sz="quarter" idx="12"/>
+          </p:nvPr>
+        </p:nvSpPr>
+        <p:spPr/>
+        <p:txBody>
+          <a:bodyPr/>
+          <a:lstStyle/>
+          <a:p>
+            <a:fld id="{D57F1E4F-1CFF-5643-939E-217C01CDF565}" type="slidenum">
+              <a:rPr lang="en-US" smtClean="0"/>
+              <a:pPr/>
+              <a:t>9</a:t>
+            </a:fld>
+            <a:endParaRPr lang="en-US" dirty="0"/>
+          </a:p>
+        </p:txBody>
+      </p:sp>
+      <p:pic>
+        <p:nvPicPr>
+          <p:cNvPr id="3" name="Afbeelding 2">
+            <a:extLst>
+              <a:ext uri="{FF2B5EF4-FFF2-40B4-BE49-F238E27FC236}">
+                <a16:creationId xmlns:a16="http://schemas.microsoft.com/office/drawing/2014/main" id="{00D74704-1DEC-4F17-89F0-66FEEB484C1D}"/>
+              </a:ext>
+            </a:extLst>
+          </p:cNvPr>
+          <p:cNvPicPr>
+            <a:picLocks noChangeAspect="1"/>
+          </p:cNvPicPr>
+          <p:nvPr/>
+        </p:nvPicPr>
+        <p:blipFill>
+          <a:blip r:embed="rId2"/>
+          <a:stretch>
+            <a:fillRect/>
+          </a:stretch>
+        </p:blipFill>
+        <p:spPr>
+          <a:xfrm>
+            <a:off x="2763330" y="4429"/>
+            <a:ext cx="6758041" cy="6924906"/>
+          </a:xfrm>
+          <a:prstGeom prst="rect">
+            <a:avLst/>
+          </a:prstGeom>
+        </p:spPr>
+      </p:pic>
+    </p:spTree>
+    <p:extLst>
+      <p:ext uri="{BB962C8B-B14F-4D97-AF65-F5344CB8AC3E}">
+        <p14:creationId xmlns:p14="http://schemas.microsoft.com/office/powerpoint/2010/main" val="2711161881"/>
       </p:ext>
     </p:extLst>
   </p:cSld>
